--- a/spring12/slidesS12/ordinary-vs-strong-induction.pptx
+++ b/spring12/slidesS12/ordinary-vs-strong-induction.pptx
@@ -206,7 +206,7 @@
             <a:fld id="{D875CB5D-1501-4E8C-8449-8F562B53033D}" type="datetimeFigureOut">
               <a:rPr lang="en-US" smtClean="0"/>
               <a:pPr/>
-              <a:t>2/20/12</a:t>
+              <a:t>2/21/12</a:t>
             </a:fld>
             <a:endParaRPr lang="en-US"/>
           </a:p>
@@ -373,7 +373,7 @@
             <a:fld id="{2E64E5CB-D4EF-403A-9BB6-139C52688DF7}" type="datetimeFigureOut">
               <a:rPr lang="en-US" smtClean="0"/>
               <a:pPr/>
-              <a:t>2/20/12</a:t>
+              <a:t>2/21/12</a:t>
             </a:fld>
             <a:endParaRPr lang="en-US"/>
           </a:p>
@@ -2240,28 +2240,28 @@
           <a:bodyPr/>
           <a:lstStyle/>
           <a:p>
-            <a:pPr algn="l" eaLnBrk="1" hangingPunct="1"/>
-            <a:r>
-              <a:rPr lang="en-US" sz="6600" dirty="0" smtClean="0"/>
+            <a:pPr eaLnBrk="1" hangingPunct="1"/>
+            <a:r>
+              <a:rPr lang="en-US" sz="6600" b="0" dirty="0" smtClean="0"/>
               <a:t>Ordinary Induction </a:t>
             </a:r>
             <a:r>
-              <a:rPr lang="en-US" sz="6600" dirty="0" err="1" smtClean="0"/>
+              <a:rPr lang="en-US" sz="6600" b="0" dirty="0" err="1" smtClean="0"/>
               <a:t>vs</a:t>
             </a:r>
             <a:r>
-              <a:rPr lang="en-US" sz="6600" dirty="0" smtClean="0"/>
+              <a:rPr lang="en-US" sz="6600" b="0" dirty="0" smtClean="0"/>
               <a:t> Strong Induction </a:t>
             </a:r>
             <a:r>
-              <a:rPr lang="en-US" sz="6600" dirty="0" err="1" smtClean="0"/>
+              <a:rPr lang="en-US" sz="6600" b="0" dirty="0" err="1" smtClean="0"/>
               <a:t>vs</a:t>
             </a:r>
             <a:r>
-              <a:rPr lang="en-US" sz="6600" dirty="0" smtClean="0"/>
+              <a:rPr lang="en-US" sz="6600" b="0" dirty="0" smtClean="0"/>
               <a:t> WOP</a:t>
             </a:r>
-            <a:endParaRPr lang="en-US" sz="6600" baseline="-25000" dirty="0" smtClean="0"/>
+            <a:endParaRPr lang="en-US" sz="6600" b="0" baseline="-25000" dirty="0" smtClean="0"/>
           </a:p>
         </p:txBody>
       </p:sp>
@@ -2439,6 +2439,9 @@
   <p:clrMapOvr>
     <a:masterClrMapping/>
   </p:clrMapOvr>
+  <p:transition xmlns:p14="http://schemas.microsoft.com/office/powerpoint/2010/main" spd="slow">
+    <p:fade thruBlk="1"/>
+  </p:transition>
   <p:timing>
     <p:tnLst>
       <p:par>
@@ -3292,7 +3295,7 @@
               <a:t> </a:t>
             </a:r>
             <a:r>
-              <a:rPr lang="en-US" sz="5400" dirty="0" smtClean="0">
+              <a:rPr lang="en-US" sz="6000" dirty="0" smtClean="0">
                 <a:solidFill>
                   <a:srgbClr val="0000FF"/>
                 </a:solidFill>
@@ -3300,7 +3303,7 @@
               <a:t>P(</a:t>
             </a:r>
             <a:r>
-              <a:rPr lang="en-US" sz="5400" dirty="0" smtClean="0">
+              <a:rPr lang="en-US" sz="6000" dirty="0" smtClean="0">
                 <a:solidFill>
                   <a:srgbClr val="008000"/>
                 </a:solidFill>
@@ -3308,7 +3311,7 @@
               <a:t>n+1</a:t>
             </a:r>
             <a:r>
-              <a:rPr lang="en-US" sz="5400" dirty="0" smtClean="0">
+              <a:rPr lang="en-US" sz="6000" dirty="0" smtClean="0">
                 <a:solidFill>
                   <a:srgbClr val="0000FF"/>
                 </a:solidFill>
@@ -3345,7 +3348,7 @@
           <a:graphicData uri="http://schemas.openxmlformats.org/presentationml/2006/ole">
             <mc:AlternateContent xmlns:mc="http://schemas.openxmlformats.org/markup-compatibility/2006">
               <mc:Choice xmlns:v="urn:schemas-microsoft-com:vml" Requires="v">
-                <p:oleObj spid="_x0000_s417804" name="Equation" r:id="rId3" imgW="622300" imgH="228600" progId="Equation.DSMT4">
+                <p:oleObj spid="_x0000_s417814" name="Equation" r:id="rId3" imgW="622300" imgH="228600" progId="Equation.DSMT4">
                   <p:embed/>
                 </p:oleObj>
               </mc:Choice>
@@ -3380,63 +3383,6 @@
           </a:graphicData>
         </a:graphic>
       </p:graphicFrame>
-      <p:graphicFrame>
-        <p:nvGraphicFramePr>
-          <p:cNvPr id="6" name="Object 5"/>
-          <p:cNvGraphicFramePr>
-            <a:graphicFrameLocks noChangeAspect="1"/>
-          </p:cNvGraphicFramePr>
-          <p:nvPr>
-            <p:extLst>
-              <p:ext uri="{D42A27DB-BD31-4B8C-83A1-F6EECF244321}">
-                <p14:modId xmlns:p14="http://schemas.microsoft.com/office/powerpoint/2010/main" val="1386087726"/>
-              </p:ext>
-            </p:extLst>
-          </p:nvPr>
-        </p:nvGraphicFramePr>
-        <p:xfrm>
-          <a:off x="2571750" y="3810000"/>
-          <a:ext cx="4000500" cy="1143000"/>
-        </p:xfrm>
-        <a:graphic>
-          <a:graphicData uri="http://schemas.openxmlformats.org/presentationml/2006/ole">
-            <mc:AlternateContent xmlns:mc="http://schemas.openxmlformats.org/markup-compatibility/2006">
-              <mc:Choice xmlns:v="urn:schemas-microsoft-com:vml" Requires="v">
-                <p:oleObj spid="_x0000_s417805" name="Equation" r:id="rId5" imgW="800100" imgH="228600" progId="Equation.DSMT4">
-                  <p:embed/>
-                </p:oleObj>
-              </mc:Choice>
-              <mc:Fallback>
-                <p:oleObj name="Equation" r:id="rId5" imgW="800100" imgH="228600" progId="Equation.DSMT4">
-                  <p:embed/>
-                  <p:pic>
-                    <p:nvPicPr>
-                      <p:cNvPr id="0" name=""/>
-                      <p:cNvPicPr/>
-                      <p:nvPr/>
-                    </p:nvPicPr>
-                    <p:blipFill>
-                      <a:blip r:embed="rId6"/>
-                      <a:stretch>
-                        <a:fillRect/>
-                      </a:stretch>
-                    </p:blipFill>
-                    <p:spPr>
-                      <a:xfrm>
-                        <a:off x="2571750" y="3810000"/>
-                        <a:ext cx="4000500" cy="1143000"/>
-                      </a:xfrm>
-                      <a:prstGeom prst="rect">
-                        <a:avLst/>
-                      </a:prstGeom>
-                    </p:spPr>
-                  </p:pic>
-                </p:oleObj>
-              </mc:Fallback>
-            </mc:AlternateContent>
-          </a:graphicData>
-        </a:graphic>
-      </p:graphicFrame>
       <p:sp>
         <p:nvSpPr>
           <p:cNvPr id="8" name="Title 1"/>
@@ -3467,6 +3413,63 @@
           </a:p>
         </p:txBody>
       </p:sp>
+      <p:graphicFrame>
+        <p:nvGraphicFramePr>
+          <p:cNvPr id="2" name="Object 1"/>
+          <p:cNvGraphicFramePr>
+            <a:graphicFrameLocks noChangeAspect="1"/>
+          </p:cNvGraphicFramePr>
+          <p:nvPr>
+            <p:extLst>
+              <p:ext uri="{D42A27DB-BD31-4B8C-83A1-F6EECF244321}">
+                <p14:modId xmlns:p14="http://schemas.microsoft.com/office/powerpoint/2010/main" val="2463255758"/>
+              </p:ext>
+            </p:extLst>
+          </p:nvPr>
+        </p:nvGraphicFramePr>
+        <p:xfrm>
+          <a:off x="2247900" y="3810000"/>
+          <a:ext cx="4000498" cy="1143000"/>
+        </p:xfrm>
+        <a:graphic>
+          <a:graphicData uri="http://schemas.openxmlformats.org/presentationml/2006/ole">
+            <mc:AlternateContent xmlns:mc="http://schemas.openxmlformats.org/markup-compatibility/2006">
+              <mc:Choice xmlns:v="urn:schemas-microsoft-com:vml" Requires="v">
+                <p:oleObj spid="_x0000_s417815" name="Equation" r:id="rId5" imgW="800100" imgH="228600" progId="Equation.DSMT4">
+                  <p:embed/>
+                </p:oleObj>
+              </mc:Choice>
+              <mc:Fallback>
+                <p:oleObj name="Equation" r:id="rId5" imgW="800100" imgH="228600" progId="Equation.DSMT4">
+                  <p:embed/>
+                  <p:pic>
+                    <p:nvPicPr>
+                      <p:cNvPr id="0" name=""/>
+                      <p:cNvPicPr/>
+                      <p:nvPr/>
+                    </p:nvPicPr>
+                    <p:blipFill>
+                      <a:blip r:embed="rId6"/>
+                      <a:stretch>
+                        <a:fillRect/>
+                      </a:stretch>
+                    </p:blipFill>
+                    <p:spPr>
+                      <a:xfrm>
+                        <a:off x="2247900" y="3810000"/>
+                        <a:ext cx="4000498" cy="1143000"/>
+                      </a:xfrm>
+                      <a:prstGeom prst="rect">
+                        <a:avLst/>
+                      </a:prstGeom>
+                    </p:spPr>
+                  </p:pic>
+                </p:oleObj>
+              </mc:Fallback>
+            </mc:AlternateContent>
+          </a:graphicData>
+        </a:graphic>
+      </p:graphicFrame>
     </p:spTree>
     <p:extLst>
       <p:ext uri="{BB962C8B-B14F-4D97-AF65-F5344CB8AC3E}">
@@ -3477,6 +3480,9 @@
   <p:clrMapOvr>
     <a:masterClrMapping/>
   </p:clrMapOvr>
+  <p:transition xmlns:p14="http://schemas.microsoft.com/office/powerpoint/2010/main" spd="slow">
+    <p:fade thruBlk="1"/>
+  </p:transition>
   <p:timing>
     <p:tnLst>
       <p:par>
@@ -3679,21 +3685,39 @@
                                   </p:childTnLst>
                                 </p:cTn>
                               </p:par>
+                            </p:childTnLst>
+                          </p:cTn>
+                        </p:par>
+                      </p:childTnLst>
+                    </p:cTn>
+                  </p:par>
+                  <p:par>
+                    <p:cTn id="19" fill="hold">
+                      <p:stCondLst>
+                        <p:cond delay="indefinite"/>
+                      </p:stCondLst>
+                      <p:childTnLst>
+                        <p:par>
+                          <p:cTn id="20" fill="hold">
+                            <p:stCondLst>
+                              <p:cond delay="0"/>
+                            </p:stCondLst>
+                            <p:childTnLst>
                               <p:par>
-                                <p:cTn id="19" presetID="9" presetClass="entr" presetSubtype="0" fill="hold" nodeType="withEffect">
+                                <p:cTn id="21" presetID="22" presetClass="entr" presetSubtype="8" fill="hold" nodeType="clickEffect">
                                   <p:stCondLst>
                                     <p:cond delay="0"/>
                                   </p:stCondLst>
                                   <p:childTnLst>
                                     <p:set>
                                       <p:cBhvr>
-                                        <p:cTn id="20" dur="1" fill="hold">
+                                        <p:cTn id="22" dur="1" fill="hold">
                                           <p:stCondLst>
                                             <p:cond delay="0"/>
                                           </p:stCondLst>
                                         </p:cTn>
                                         <p:tgtEl>
-                                          <p:spTgt spid="6"/>
+                                          <p:spTgt spid="2"/>
                                         </p:tgtEl>
                                         <p:attrNameLst>
                                           <p:attrName>style.visibility</p:attrName>
@@ -3703,11 +3727,11 @@
                                         <p:strVal val="visible"/>
                                       </p:to>
                                     </p:set>
-                                    <p:animEffect transition="in" filter="dissolve">
+                                    <p:animEffect transition="in" filter="wipe(left)">
                                       <p:cBhvr>
-                                        <p:cTn id="21" dur="500"/>
+                                        <p:cTn id="23" dur="1000"/>
                                         <p:tgtEl>
-                                          <p:spTgt spid="6"/>
+                                          <p:spTgt spid="2"/>
                                         </p:tgtEl>
                                       </p:cBhvr>
                                     </p:animEffect>
@@ -3721,26 +3745,26 @@
                     </p:cTn>
                   </p:par>
                   <p:par>
-                    <p:cTn id="22" fill="hold">
+                    <p:cTn id="24" fill="hold">
                       <p:stCondLst>
                         <p:cond delay="indefinite"/>
                       </p:stCondLst>
                       <p:childTnLst>
                         <p:par>
-                          <p:cTn id="23" fill="hold">
+                          <p:cTn id="25" fill="hold">
                             <p:stCondLst>
                               <p:cond delay="0"/>
                             </p:stCondLst>
                             <p:childTnLst>
                               <p:par>
-                                <p:cTn id="24" presetID="9" presetClass="entr" presetSubtype="0" fill="hold" grpId="0" nodeType="clickEffect">
+                                <p:cTn id="26" presetID="9" presetClass="entr" presetSubtype="0" fill="hold" grpId="0" nodeType="clickEffect">
                                   <p:stCondLst>
                                     <p:cond delay="0"/>
                                   </p:stCondLst>
                                   <p:childTnLst>
                                     <p:set>
                                       <p:cBhvr>
-                                        <p:cTn id="25" dur="1" fill="hold">
+                                        <p:cTn id="27" dur="1" fill="hold">
                                           <p:stCondLst>
                                             <p:cond delay="0"/>
                                           </p:stCondLst>
@@ -3762,7 +3786,7 @@
                                     </p:set>
                                     <p:animEffect transition="in" filter="dissolve">
                                       <p:cBhvr>
-                                        <p:cTn id="26" dur="500"/>
+                                        <p:cTn id="28" dur="500"/>
                                         <p:tgtEl>
                                           <p:spTgt spid="3">
                                             <p:txEl>
@@ -3880,63 +3904,6 @@
           </a:p>
         </p:txBody>
       </p:sp>
-      <p:graphicFrame>
-        <p:nvGraphicFramePr>
-          <p:cNvPr id="2" name="Object 1"/>
-          <p:cNvGraphicFramePr>
-            <a:graphicFrameLocks noChangeAspect="1"/>
-          </p:cNvGraphicFramePr>
-          <p:nvPr>
-            <p:extLst>
-              <p:ext uri="{D42A27DB-BD31-4B8C-83A1-F6EECF244321}">
-                <p14:modId xmlns:p14="http://schemas.microsoft.com/office/powerpoint/2010/main" val="796365862"/>
-              </p:ext>
-            </p:extLst>
-          </p:nvPr>
-        </p:nvGraphicFramePr>
-        <p:xfrm>
-          <a:off x="762000" y="2362200"/>
-          <a:ext cx="7761288" cy="1258888"/>
-        </p:xfrm>
-        <a:graphic>
-          <a:graphicData uri="http://schemas.openxmlformats.org/presentationml/2006/ole">
-            <mc:AlternateContent xmlns:mc="http://schemas.openxmlformats.org/markup-compatibility/2006">
-              <mc:Choice xmlns:v="urn:schemas-microsoft-com:vml" Requires="v">
-                <p:oleObj spid="_x0000_s1031" name="Equation" r:id="rId4" imgW="1409700" imgH="228600" progId="Equation.DSMT4">
-                  <p:embed/>
-                </p:oleObj>
-              </mc:Choice>
-              <mc:Fallback>
-                <p:oleObj name="Equation" r:id="rId4" imgW="1409700" imgH="228600" progId="Equation.DSMT4">
-                  <p:embed/>
-                  <p:pic>
-                    <p:nvPicPr>
-                      <p:cNvPr id="0" name=""/>
-                      <p:cNvPicPr/>
-                      <p:nvPr/>
-                    </p:nvPicPr>
-                    <p:blipFill>
-                      <a:blip r:embed="rId5"/>
-                      <a:stretch>
-                        <a:fillRect/>
-                      </a:stretch>
-                    </p:blipFill>
-                    <p:spPr>
-                      <a:xfrm>
-                        <a:off x="762000" y="2362200"/>
-                        <a:ext cx="7761288" cy="1258888"/>
-                      </a:xfrm>
-                      <a:prstGeom prst="rect">
-                        <a:avLst/>
-                      </a:prstGeom>
-                    </p:spPr>
-                  </p:pic>
-                </p:oleObj>
-              </mc:Fallback>
-            </mc:AlternateContent>
-          </a:graphicData>
-        </a:graphic>
-      </p:graphicFrame>
       <p:sp>
         <p:nvSpPr>
           <p:cNvPr id="3" name="TextBox 2"/>
@@ -3945,8 +3912,8 @@
         </p:nvSpPr>
         <p:spPr>
           <a:xfrm>
-            <a:off x="209117" y="3886200"/>
-            <a:ext cx="8725766" cy="1569660"/>
+            <a:off x="457200" y="3657600"/>
+            <a:ext cx="8290626" cy="1754327"/>
           </a:xfrm>
           <a:prstGeom prst="rect">
             <a:avLst/>
@@ -3963,10 +3930,16 @@
               <a:rPr lang="en-US" sz="4800" dirty="0" smtClean="0">
                 <a:latin typeface="Comic Sans MS" pitchFamily="66" charset="0"/>
               </a:rPr>
-              <a:t>Now </a:t>
-            </a:r>
-            <a:r>
-              <a:rPr lang="en-US" sz="4800" dirty="0" smtClean="0">
+              <a:t>N</a:t>
+            </a:r>
+            <a:r>
+              <a:rPr lang="en-US" sz="5400" dirty="0" smtClean="0">
+                <a:latin typeface="Comic Sans MS" pitchFamily="66" charset="0"/>
+              </a:rPr>
+              <a:t>ow </a:t>
+            </a:r>
+            <a:r>
+              <a:rPr lang="en-US" sz="5400" dirty="0" smtClean="0">
                 <a:solidFill>
                   <a:srgbClr val="BC34CA"/>
                 </a:solidFill>
@@ -3975,22 +3948,34 @@
               <a:t>same proof</a:t>
             </a:r>
             <a:r>
-              <a:rPr lang="en-US" sz="4800" dirty="0" smtClean="0">
+              <a:rPr lang="en-US" sz="5400" dirty="0" smtClean="0">
                 <a:latin typeface="Comic Sans MS" pitchFamily="66" charset="0"/>
               </a:rPr>
-              <a:t> goes through</a:t>
-            </a:r>
-          </a:p>
-          <a:p>
-            <a:r>
-              <a:rPr lang="en-US" sz="4800" dirty="0" smtClean="0">
+              <a:t> </a:t>
+            </a:r>
+            <a:r>
+              <a:rPr lang="en-US" sz="5400" dirty="0" smtClean="0">
                 <a:latin typeface="Comic Sans MS" pitchFamily="66" charset="0"/>
               </a:rPr>
-              <a:t>by Ordinary Induction.</a:t>
-            </a:r>
-            <a:endParaRPr lang="en-US" sz="4800" dirty="0" smtClean="0">
+              <a:t>becomes</a:t>
+            </a:r>
+            <a:endParaRPr lang="en-US" sz="5400" dirty="0" smtClean="0">
               <a:latin typeface="Comic Sans MS" pitchFamily="66" charset="0"/>
             </a:endParaRPr>
+          </a:p>
+          <a:p>
+            <a:r>
+              <a:rPr lang="en-US" sz="5400" dirty="0" smtClean="0">
+                <a:latin typeface="Comic Sans MS" pitchFamily="66" charset="0"/>
+              </a:rPr>
+              <a:t>Ordinary </a:t>
+            </a:r>
+            <a:r>
+              <a:rPr lang="en-US" sz="5400" dirty="0" smtClean="0">
+                <a:latin typeface="Comic Sans MS" pitchFamily="66" charset="0"/>
+              </a:rPr>
+              <a:t>Induction.</a:t>
+            </a:r>
           </a:p>
         </p:txBody>
       </p:sp>
@@ -4040,6 +4025,63 @@
           </a:p>
         </p:txBody>
       </p:sp>
+      <p:graphicFrame>
+        <p:nvGraphicFramePr>
+          <p:cNvPr id="4" name="Object 3"/>
+          <p:cNvGraphicFramePr>
+            <a:graphicFrameLocks noChangeAspect="1"/>
+          </p:cNvGraphicFramePr>
+          <p:nvPr>
+            <p:extLst>
+              <p:ext uri="{D42A27DB-BD31-4B8C-83A1-F6EECF244321}">
+                <p14:modId xmlns:p14="http://schemas.microsoft.com/office/powerpoint/2010/main" val="3623205941"/>
+              </p:ext>
+            </p:extLst>
+          </p:nvPr>
+        </p:nvGraphicFramePr>
+        <p:xfrm>
+          <a:off x="469900" y="2362200"/>
+          <a:ext cx="7988300" cy="1295400"/>
+        </p:xfrm>
+        <a:graphic>
+          <a:graphicData uri="http://schemas.openxmlformats.org/presentationml/2006/ole">
+            <mc:AlternateContent xmlns:mc="http://schemas.openxmlformats.org/markup-compatibility/2006">
+              <mc:Choice xmlns:v="urn:schemas-microsoft-com:vml" Requires="v">
+                <p:oleObj spid="_x0000_s1037" name="Equation" r:id="rId4" imgW="1409700" imgH="228600" progId="Equation.DSMT4">
+                  <p:embed/>
+                </p:oleObj>
+              </mc:Choice>
+              <mc:Fallback>
+                <p:oleObj name="Equation" r:id="rId4" imgW="1409700" imgH="228600" progId="Equation.DSMT4">
+                  <p:embed/>
+                  <p:pic>
+                    <p:nvPicPr>
+                      <p:cNvPr id="0" name=""/>
+                      <p:cNvPicPr/>
+                      <p:nvPr/>
+                    </p:nvPicPr>
+                    <p:blipFill>
+                      <a:blip r:embed="rId5"/>
+                      <a:stretch>
+                        <a:fillRect/>
+                      </a:stretch>
+                    </p:blipFill>
+                    <p:spPr>
+                      <a:xfrm>
+                        <a:off x="469900" y="2362200"/>
+                        <a:ext cx="7988300" cy="1295400"/>
+                      </a:xfrm>
+                      <a:prstGeom prst="rect">
+                        <a:avLst/>
+                      </a:prstGeom>
+                    </p:spPr>
+                  </p:pic>
+                </p:oleObj>
+              </mc:Fallback>
+            </mc:AlternateContent>
+          </a:graphicData>
+        </a:graphic>
+      </p:graphicFrame>
     </p:spTree>
     <p:extLst>
       <p:ext uri="{BB962C8B-B14F-4D97-AF65-F5344CB8AC3E}">
@@ -4050,6 +4092,18 @@
   <p:clrMapOvr>
     <a:masterClrMapping/>
   </p:clrMapOvr>
+  <mc:AlternateContent xmlns:mc="http://schemas.openxmlformats.org/markup-compatibility/2006">
+    <mc:Choice xmlns:p14="http://schemas.microsoft.com/office/powerpoint/2010/main" Requires="p14">
+      <p:transition spd="med" p14:dur="700">
+        <p:fade/>
+      </p:transition>
+    </mc:Choice>
+    <mc:Fallback>
+      <p:transition xmlns:p14="http://schemas.microsoft.com/office/powerpoint/2010/main" spd="med">
+        <p:fade/>
+      </p:transition>
+    </mc:Fallback>
+  </mc:AlternateContent>
   <p:timing>
     <p:tnLst>
       <p:par>
@@ -4062,6 +4116,9 @@
                     <p:cTn id="3" fill="hold">
                       <p:stCondLst>
                         <p:cond delay="indefinite"/>
+                        <p:cond evt="onBegin" delay="0">
+                          <p:tn val="2"/>
+                        </p:cond>
                       </p:stCondLst>
                       <p:childTnLst>
                         <p:par>
@@ -4071,7 +4128,7 @@
                             </p:stCondLst>
                             <p:childTnLst>
                               <p:par>
-                                <p:cTn id="5" presetID="22" presetClass="entr" presetSubtype="8" fill="hold" nodeType="clickEffect">
+                                <p:cTn id="5" presetID="22" presetClass="entr" presetSubtype="8" fill="hold" nodeType="afterEffect">
                                   <p:stCondLst>
                                     <p:cond delay="0"/>
                                   </p:stCondLst>
@@ -4084,7 +4141,7 @@
                                           </p:stCondLst>
                                         </p:cTn>
                                         <p:tgtEl>
-                                          <p:spTgt spid="2"/>
+                                          <p:spTgt spid="4"/>
                                         </p:tgtEl>
                                         <p:attrNameLst>
                                           <p:attrName>style.visibility</p:attrName>
@@ -4098,7 +4155,7 @@
                                       <p:cBhvr>
                                         <p:cTn id="7" dur="500"/>
                                         <p:tgtEl>
-                                          <p:spTgt spid="2"/>
+                                          <p:spTgt spid="4"/>
                                         </p:tgtEl>
                                       </p:cBhvr>
                                     </p:animEffect>
@@ -4261,7 +4318,15 @@
           <a:p>
             <a:r>
               <a:rPr lang="en-US" sz="4800" dirty="0" smtClean="0"/>
-              <a:t>So Strong Induction add no power.  Just decorate a Strong proof </a:t>
+              <a:t>So Strong </a:t>
+            </a:r>
+            <a:r>
+              <a:rPr lang="en-US" sz="4800" smtClean="0"/>
+              <a:t>Induction adds </a:t>
+            </a:r>
+            <a:r>
+              <a:rPr lang="en-US" sz="4800" dirty="0" smtClean="0"/>
+              <a:t>no power.  Just decorate a Strong proof </a:t>
             </a:r>
             <a:r>
               <a:rPr lang="en-US" sz="4800" dirty="0"/>
@@ -4302,6 +4367,18 @@
   <p:clrMapOvr>
     <a:masterClrMapping/>
   </p:clrMapOvr>
+  <mc:AlternateContent xmlns:mc="http://schemas.openxmlformats.org/markup-compatibility/2006">
+    <mc:Choice xmlns:p14="http://schemas.microsoft.com/office/powerpoint/2010/main" Requires="p14">
+      <p:transition spd="med" p14:dur="700">
+        <p:fade/>
+      </p:transition>
+    </mc:Choice>
+    <mc:Fallback>
+      <p:transition xmlns:p14="http://schemas.microsoft.com/office/powerpoint/2010/main" spd="med">
+        <p:fade/>
+      </p:transition>
+    </mc:Fallback>
+  </mc:AlternateContent>
   <p:timing>
     <p:tnLst>
       <p:par>
@@ -4487,9 +4564,6 @@
               </a:rPr>
               <a:t>.</a:t>
             </a:r>
-            <a:endParaRPr lang="en-US" sz="6000" dirty="0" smtClean="0">
-              <a:latin typeface="Comic Sans MS" pitchFamily="66" charset="0"/>
-            </a:endParaRPr>
           </a:p>
         </p:txBody>
       </p:sp>
@@ -4515,7 +4589,7 @@
           <a:graphicData uri="http://schemas.openxmlformats.org/presentationml/2006/ole">
             <mc:AlternateContent xmlns:mc="http://schemas.openxmlformats.org/markup-compatibility/2006">
               <mc:Choice xmlns:v="urn:schemas-microsoft-com:vml" Requires="v">
-                <p:oleObj spid="_x0000_s418819" name="Equation" r:id="rId4" imgW="508000" imgH="190500" progId="Equation.DSMT4">
+                <p:oleObj spid="_x0000_s418825" name="Equation" r:id="rId4" imgW="508000" imgH="190500" progId="Equation.DSMT4">
                   <p:embed/>
                 </p:oleObj>
               </mc:Choice>
@@ -4560,6 +4634,9 @@
   <p:clrMapOvr>
     <a:masterClrMapping/>
   </p:clrMapOvr>
+  <p:transition xmlns:p14="http://schemas.microsoft.com/office/powerpoint/2010/main" spd="slow">
+    <p:fade thruBlk="1"/>
+  </p:transition>
   <p:timing>
     <p:tnLst>
       <p:par>
@@ -4949,9 +5026,6 @@
               </a:rPr>
               <a:t>principle.</a:t>
             </a:r>
-            <a:endParaRPr lang="en-US" sz="4400" dirty="0" smtClean="0">
-              <a:latin typeface="Comic Sans MS" pitchFamily="66" charset="0"/>
-            </a:endParaRPr>
           </a:p>
         </p:txBody>
       </p:sp>
@@ -5040,6 +5114,9 @@
   <p:clrMapOvr>
     <a:masterClrMapping/>
   </p:clrMapOvr>
+  <p:transition xmlns:p14="http://schemas.microsoft.com/office/powerpoint/2010/main" spd="slow">
+    <p:fade thruBlk="1"/>
+  </p:transition>
   <p:timing>
     <p:tnLst>
       <p:par>

--- a/spring12/slidesS12/ordinary-vs-strong-induction.pptx
+++ b/spring12/slidesS12/ordinary-vs-strong-induction.pptx
@@ -206,7 +206,7 @@
             <a:fld id="{D875CB5D-1501-4E8C-8449-8F562B53033D}" type="datetimeFigureOut">
               <a:rPr lang="en-US" smtClean="0"/>
               <a:pPr/>
-              <a:t>2/21/12</a:t>
+              <a:t>2/23/12</a:t>
             </a:fld>
             <a:endParaRPr lang="en-US"/>
           </a:p>
@@ -373,7 +373,7 @@
             <a:fld id="{2E64E5CB-D4EF-403A-9BB6-139C52688DF7}" type="datetimeFigureOut">
               <a:rPr lang="en-US" smtClean="0"/>
               <a:pPr/>
-              <a:t>2/21/12</a:t>
+              <a:t>2/23/12</a:t>
             </a:fld>
             <a:endParaRPr lang="en-US"/>
           </a:p>
@@ -3348,7 +3348,7 @@
           <a:graphicData uri="http://schemas.openxmlformats.org/presentationml/2006/ole">
             <mc:AlternateContent xmlns:mc="http://schemas.openxmlformats.org/markup-compatibility/2006">
               <mc:Choice xmlns:v="urn:schemas-microsoft-com:vml" Requires="v">
-                <p:oleObj spid="_x0000_s417814" name="Equation" r:id="rId3" imgW="622300" imgH="228600" progId="Equation.DSMT4">
+                <p:oleObj spid="_x0000_s417817" name="Equation" r:id="rId3" imgW="622300" imgH="228600" progId="Equation.DSMT4">
                   <p:embed/>
                 </p:oleObj>
               </mc:Choice>
@@ -3435,7 +3435,7 @@
           <a:graphicData uri="http://schemas.openxmlformats.org/presentationml/2006/ole">
             <mc:AlternateContent xmlns:mc="http://schemas.openxmlformats.org/markup-compatibility/2006">
               <mc:Choice xmlns:v="urn:schemas-microsoft-com:vml" Requires="v">
-                <p:oleObj spid="_x0000_s417815" name="Equation" r:id="rId5" imgW="800100" imgH="228600" progId="Equation.DSMT4">
+                <p:oleObj spid="_x0000_s417818" name="Equation" r:id="rId5" imgW="800100" imgH="228600" progId="Equation.DSMT4">
                   <p:embed/>
                 </p:oleObj>
               </mc:Choice>
@@ -3951,30 +3951,15 @@
               <a:rPr lang="en-US" sz="5400" dirty="0" smtClean="0">
                 <a:latin typeface="Comic Sans MS" pitchFamily="66" charset="0"/>
               </a:rPr>
-              <a:t> </a:t>
-            </a:r>
+              <a:t> becomes</a:t>
+            </a:r>
+          </a:p>
+          <a:p>
             <a:r>
               <a:rPr lang="en-US" sz="5400" dirty="0" smtClean="0">
                 <a:latin typeface="Comic Sans MS" pitchFamily="66" charset="0"/>
               </a:rPr>
-              <a:t>becomes</a:t>
-            </a:r>
-            <a:endParaRPr lang="en-US" sz="5400" dirty="0" smtClean="0">
-              <a:latin typeface="Comic Sans MS" pitchFamily="66" charset="0"/>
-            </a:endParaRPr>
-          </a:p>
-          <a:p>
-            <a:r>
-              <a:rPr lang="en-US" sz="5400" dirty="0" smtClean="0">
-                <a:latin typeface="Comic Sans MS" pitchFamily="66" charset="0"/>
-              </a:rPr>
-              <a:t>Ordinary </a:t>
-            </a:r>
-            <a:r>
-              <a:rPr lang="en-US" sz="5400" dirty="0" smtClean="0">
-                <a:latin typeface="Comic Sans MS" pitchFamily="66" charset="0"/>
-              </a:rPr>
-              <a:t>Induction.</a:t>
+              <a:t>Ordinary Induction.</a:t>
             </a:r>
           </a:p>
         </p:txBody>
@@ -4047,7 +4032,7 @@
           <a:graphicData uri="http://schemas.openxmlformats.org/presentationml/2006/ole">
             <mc:AlternateContent xmlns:mc="http://schemas.openxmlformats.org/markup-compatibility/2006">
               <mc:Choice xmlns:v="urn:schemas-microsoft-com:vml" Requires="v">
-                <p:oleObj spid="_x0000_s1037" name="Equation" r:id="rId4" imgW="1409700" imgH="228600" progId="Equation.DSMT4">
+                <p:oleObj spid="_x0000_s1039" name="Equation" r:id="rId4" imgW="1409700" imgH="228600" progId="Equation.DSMT4">
                   <p:embed/>
                 </p:oleObj>
               </mc:Choice>
@@ -4092,13 +4077,13 @@
   <p:clrMapOvr>
     <a:masterClrMapping/>
   </p:clrMapOvr>
-  <mc:AlternateContent xmlns:mc="http://schemas.openxmlformats.org/markup-compatibility/2006">
-    <mc:Choice xmlns:p14="http://schemas.microsoft.com/office/powerpoint/2010/main" Requires="p14">
+  <mc:AlternateContent xmlns:mc="http://schemas.openxmlformats.org/markup-compatibility/2006" xmlns:p14="http://schemas.microsoft.com/office/powerpoint/2010/main">
+    <mc:Choice Requires="p14">
       <p:transition spd="med" p14:dur="700">
         <p:fade/>
       </p:transition>
     </mc:Choice>
-    <mc:Fallback>
+    <mc:Fallback xmlns="">
       <p:transition xmlns:p14="http://schemas.microsoft.com/office/powerpoint/2010/main" spd="med">
         <p:fade/>
       </p:transition>
@@ -4367,13 +4352,13 @@
   <p:clrMapOvr>
     <a:masterClrMapping/>
   </p:clrMapOvr>
-  <mc:AlternateContent xmlns:mc="http://schemas.openxmlformats.org/markup-compatibility/2006">
-    <mc:Choice xmlns:p14="http://schemas.microsoft.com/office/powerpoint/2010/main" Requires="p14">
+  <mc:AlternateContent xmlns:mc="http://schemas.openxmlformats.org/markup-compatibility/2006" xmlns:p14="http://schemas.microsoft.com/office/powerpoint/2010/main">
+    <mc:Choice Requires="p14">
       <p:transition spd="med" p14:dur="700">
         <p:fade/>
       </p:transition>
     </mc:Choice>
-    <mc:Fallback>
+    <mc:Fallback xmlns="">
       <p:transition xmlns:p14="http://schemas.microsoft.com/office/powerpoint/2010/main" spd="med">
         <p:fade/>
       </p:transition>
@@ -4589,7 +4574,7 @@
           <a:graphicData uri="http://schemas.openxmlformats.org/presentationml/2006/ole">
             <mc:AlternateContent xmlns:mc="http://schemas.openxmlformats.org/markup-compatibility/2006">
               <mc:Choice xmlns:v="urn:schemas-microsoft-com:vml" Requires="v">
-                <p:oleObj spid="_x0000_s418825" name="Equation" r:id="rId4" imgW="508000" imgH="190500" progId="Equation.DSMT4">
+                <p:oleObj spid="_x0000_s418827" name="Equation" r:id="rId4" imgW="508000" imgH="190500" progId="Equation.DSMT4">
                   <p:embed/>
                 </p:oleObj>
               </mc:Choice>

--- a/spring12/slidesS12/ordinary-vs-strong-induction.pptx
+++ b/spring12/slidesS12/ordinary-vs-strong-induction.pptx
@@ -5,10 +5,10 @@
     <p:sldMasterId id="2147483648" r:id="rId1"/>
   </p:sldMasterIdLst>
   <p:notesMasterIdLst>
-    <p:notesMasterId r:id="rId10"/>
+    <p:notesMasterId r:id="rId12"/>
   </p:notesMasterIdLst>
   <p:handoutMasterIdLst>
-    <p:handoutMasterId r:id="rId11"/>
+    <p:handoutMasterId r:id="rId13"/>
   </p:handoutMasterIdLst>
   <p:sldIdLst>
     <p:sldId id="311" r:id="rId2"/>
@@ -19,11 +19,13 @@
     <p:sldId id="442" r:id="rId7"/>
     <p:sldId id="440" r:id="rId8"/>
     <p:sldId id="444" r:id="rId9"/>
+    <p:sldId id="445" r:id="rId10"/>
+    <p:sldId id="446" r:id="rId11"/>
   </p:sldIdLst>
   <p:sldSz cx="9144000" cy="6858000" type="screen4x3"/>
   <p:notesSz cx="7315200" cy="9601200"/>
   <p:custDataLst>
-    <p:tags r:id="rId13"/>
+    <p:tags r:id="rId15"/>
   </p:custDataLst>
   <p:defaultTextStyle>
     <a:defPPr>
@@ -732,6 +734,91 @@
 </p:notes>
 </file>
 
+<file path=ppt/notesSlides/notesSlide10.xml><?xml version="1.0" encoding="utf-8"?>
+<p:notes xmlns:a="http://schemas.openxmlformats.org/drawingml/2006/main" xmlns:r="http://schemas.openxmlformats.org/officeDocument/2006/relationships" xmlns:p="http://schemas.openxmlformats.org/presentationml/2006/main">
+  <p:cSld>
+    <p:spTree>
+      <p:nvGrpSpPr>
+        <p:cNvPr id="1" name=""/>
+        <p:cNvGrpSpPr/>
+        <p:nvPr/>
+      </p:nvGrpSpPr>
+      <p:grpSpPr>
+        <a:xfrm>
+          <a:off x="0" y="0"/>
+          <a:ext cx="0" cy="0"/>
+          <a:chOff x="0" y="0"/>
+          <a:chExt cx="0" cy="0"/>
+        </a:xfrm>
+      </p:grpSpPr>
+      <p:sp>
+        <p:nvSpPr>
+          <p:cNvPr id="2" name="Slide Image Placeholder 1"/>
+          <p:cNvSpPr>
+            <a:spLocks noGrp="1" noRot="1" noChangeAspect="1"/>
+          </p:cNvSpPr>
+          <p:nvPr>
+            <p:ph type="sldImg"/>
+          </p:nvPr>
+        </p:nvSpPr>
+        <p:spPr/>
+      </p:sp>
+      <p:sp>
+        <p:nvSpPr>
+          <p:cNvPr id="3" name="Notes Placeholder 2"/>
+          <p:cNvSpPr>
+            <a:spLocks noGrp="1"/>
+          </p:cNvSpPr>
+          <p:nvPr>
+            <p:ph type="body" idx="1"/>
+          </p:nvPr>
+        </p:nvSpPr>
+        <p:spPr/>
+        <p:txBody>
+          <a:bodyPr/>
+          <a:lstStyle/>
+          <a:p>
+            <a:endParaRPr lang="en-US"/>
+          </a:p>
+        </p:txBody>
+      </p:sp>
+      <p:sp>
+        <p:nvSpPr>
+          <p:cNvPr id="4" name="Slide Number Placeholder 3"/>
+          <p:cNvSpPr>
+            <a:spLocks noGrp="1"/>
+          </p:cNvSpPr>
+          <p:nvPr>
+            <p:ph type="sldNum" sz="quarter" idx="10"/>
+          </p:nvPr>
+        </p:nvSpPr>
+        <p:spPr/>
+        <p:txBody>
+          <a:bodyPr/>
+          <a:lstStyle/>
+          <a:p>
+            <a:fld id="{4E59DC59-ED3D-4108-AF3A-3AFD1215876E}" type="slidenum">
+              <a:rPr lang="en-US" smtClean="0"/>
+              <a:pPr/>
+              <a:t>10</a:t>
+            </a:fld>
+            <a:endParaRPr lang="en-US"/>
+          </a:p>
+        </p:txBody>
+      </p:sp>
+    </p:spTree>
+    <p:extLst>
+      <p:ext uri="{BB962C8B-B14F-4D97-AF65-F5344CB8AC3E}">
+        <p14:creationId xmlns:p14="http://schemas.microsoft.com/office/powerpoint/2010/main" val="4264141718"/>
+      </p:ext>
+    </p:extLst>
+  </p:cSld>
+  <p:clrMapOvr>
+    <a:masterClrMapping/>
+  </p:clrMapOvr>
+</p:notes>
+</file>
+
 <file path=ppt/notesSlides/notesSlide2.xml><?xml version="1.0" encoding="utf-8"?>
 <p:notes xmlns:a="http://schemas.openxmlformats.org/drawingml/2006/main" xmlns:r="http://schemas.openxmlformats.org/officeDocument/2006/relationships" xmlns:p="http://schemas.openxmlformats.org/presentationml/2006/main">
   <p:cSld>
@@ -751,72 +838,65 @@
       </p:grpSpPr>
       <p:sp>
         <p:nvSpPr>
-          <p:cNvPr id="52226" name="Rectangle 7"/>
+          <p:cNvPr id="2" name="Slide Image Placeholder 1"/>
           <p:cNvSpPr>
-            <a:spLocks noGrp="1" noChangeArrowheads="1"/>
-          </p:cNvSpPr>
-          <p:nvPr>
-            <p:ph type="sldNum" sz="quarter" idx="5"/>
-          </p:nvPr>
-        </p:nvSpPr>
-        <p:spPr>
-          <a:noFill/>
-        </p:spPr>
-        <p:txBody>
-          <a:bodyPr/>
-          <a:lstStyle/>
-          <a:p>
-            <a:fld id="{A4B8DDDD-1D18-466C-B399-0E556E37F5D6}" type="slidenum">
-              <a:rPr lang="en-US">
-                <a:cs typeface="Arial" charset="0"/>
-              </a:rPr>
-              <a:pPr/>
-              <a:t>3</a:t>
-            </a:fld>
-            <a:endParaRPr lang="en-US">
-              <a:cs typeface="Arial" charset="0"/>
-            </a:endParaRPr>
-          </a:p>
-        </p:txBody>
-      </p:sp>
-      <p:sp>
-        <p:nvSpPr>
-          <p:cNvPr id="52227" name="Rectangle 2"/>
-          <p:cNvSpPr>
-            <a:spLocks noGrp="1" noRot="1" noChangeAspect="1" noChangeArrowheads="1" noTextEdit="1"/>
+            <a:spLocks noGrp="1" noRot="1" noChangeAspect="1"/>
           </p:cNvSpPr>
           <p:nvPr>
             <p:ph type="sldImg"/>
           </p:nvPr>
         </p:nvSpPr>
-        <p:spPr>
-          <a:ln/>
-        </p:spPr>
-      </p:sp>
-      <p:sp>
-        <p:nvSpPr>
-          <p:cNvPr id="52228" name="Rectangle 3"/>
+        <p:spPr/>
+      </p:sp>
+      <p:sp>
+        <p:nvSpPr>
+          <p:cNvPr id="3" name="Notes Placeholder 2"/>
           <p:cNvSpPr>
-            <a:spLocks noGrp="1" noChangeArrowheads="1"/>
+            <a:spLocks noGrp="1"/>
           </p:cNvSpPr>
           <p:nvPr>
             <p:ph type="body" idx="1"/>
           </p:nvPr>
         </p:nvSpPr>
-        <p:spPr>
-          <a:noFill/>
-          <a:ln/>
-        </p:spPr>
+        <p:spPr/>
         <p:txBody>
           <a:bodyPr/>
           <a:lstStyle/>
           <a:p>
-            <a:pPr eaLnBrk="1" hangingPunct="1"/>
-            <a:endParaRPr lang="en-US" smtClean="0"/>
+            <a:endParaRPr lang="en-US"/>
           </a:p>
         </p:txBody>
       </p:sp>
+      <p:sp>
+        <p:nvSpPr>
+          <p:cNvPr id="4" name="Slide Number Placeholder 3"/>
+          <p:cNvSpPr>
+            <a:spLocks noGrp="1"/>
+          </p:cNvSpPr>
+          <p:nvPr>
+            <p:ph type="sldNum" sz="quarter" idx="10"/>
+          </p:nvPr>
+        </p:nvSpPr>
+        <p:spPr/>
+        <p:txBody>
+          <a:bodyPr/>
+          <a:lstStyle/>
+          <a:p>
+            <a:fld id="{4E59DC59-ED3D-4108-AF3A-3AFD1215876E}" type="slidenum">
+              <a:rPr lang="en-US" smtClean="0"/>
+              <a:pPr/>
+              <a:t>2</a:t>
+            </a:fld>
+            <a:endParaRPr lang="en-US"/>
+          </a:p>
+        </p:txBody>
+      </p:sp>
     </p:spTree>
+    <p:extLst>
+      <p:ext uri="{BB962C8B-B14F-4D97-AF65-F5344CB8AC3E}">
+        <p14:creationId xmlns:p14="http://schemas.microsoft.com/office/powerpoint/2010/main" val="3242518034"/>
+      </p:ext>
+    </p:extLst>
   </p:cSld>
   <p:clrMapOvr>
     <a:masterClrMapping/>
@@ -843,7 +923,7 @@
       </p:grpSpPr>
       <p:sp>
         <p:nvSpPr>
-          <p:cNvPr id="49154" name="Rectangle 7"/>
+          <p:cNvPr id="52226" name="Rectangle 7"/>
           <p:cNvSpPr>
             <a:spLocks noGrp="1" noChangeArrowheads="1"/>
           </p:cNvSpPr>
@@ -858,12 +938,12 @@
           <a:bodyPr/>
           <a:lstStyle/>
           <a:p>
-            <a:fld id="{83CD3F21-FDE7-4F37-BBBF-0DF76E3F12EC}" type="slidenum">
+            <a:fld id="{A4B8DDDD-1D18-466C-B399-0E556E37F5D6}" type="slidenum">
               <a:rPr lang="en-US">
                 <a:cs typeface="Arial" charset="0"/>
               </a:rPr>
               <a:pPr/>
-              <a:t>5</a:t>
+              <a:t>3</a:t>
             </a:fld>
             <a:endParaRPr lang="en-US">
               <a:cs typeface="Arial" charset="0"/>
@@ -873,7 +953,7 @@
       </p:sp>
       <p:sp>
         <p:nvSpPr>
-          <p:cNvPr id="49155" name="Rectangle 2"/>
+          <p:cNvPr id="52227" name="Rectangle 2"/>
           <p:cNvSpPr>
             <a:spLocks noGrp="1" noRot="1" noChangeAspect="1" noChangeArrowheads="1" noTextEdit="1"/>
           </p:cNvSpPr>
@@ -887,7 +967,7 @@
       </p:sp>
       <p:sp>
         <p:nvSpPr>
-          <p:cNvPr id="49156" name="Rectangle 3"/>
+          <p:cNvPr id="52228" name="Rectangle 3"/>
           <p:cNvSpPr>
             <a:spLocks noGrp="1" noChangeArrowheads="1"/>
           </p:cNvSpPr>
@@ -935,6 +1015,268 @@
       </p:grpSpPr>
       <p:sp>
         <p:nvSpPr>
+          <p:cNvPr id="2" name="Slide Image Placeholder 1"/>
+          <p:cNvSpPr>
+            <a:spLocks noGrp="1" noRot="1" noChangeAspect="1"/>
+          </p:cNvSpPr>
+          <p:nvPr>
+            <p:ph type="sldImg"/>
+          </p:nvPr>
+        </p:nvSpPr>
+        <p:spPr/>
+      </p:sp>
+      <p:sp>
+        <p:nvSpPr>
+          <p:cNvPr id="3" name="Notes Placeholder 2"/>
+          <p:cNvSpPr>
+            <a:spLocks noGrp="1"/>
+          </p:cNvSpPr>
+          <p:nvPr>
+            <p:ph type="body" idx="1"/>
+          </p:nvPr>
+        </p:nvSpPr>
+        <p:spPr/>
+        <p:txBody>
+          <a:bodyPr/>
+          <a:lstStyle/>
+          <a:p>
+            <a:endParaRPr lang="en-US"/>
+          </a:p>
+        </p:txBody>
+      </p:sp>
+      <p:sp>
+        <p:nvSpPr>
+          <p:cNvPr id="4" name="Slide Number Placeholder 3"/>
+          <p:cNvSpPr>
+            <a:spLocks noGrp="1"/>
+          </p:cNvSpPr>
+          <p:nvPr>
+            <p:ph type="sldNum" sz="quarter" idx="10"/>
+          </p:nvPr>
+        </p:nvSpPr>
+        <p:spPr/>
+        <p:txBody>
+          <a:bodyPr/>
+          <a:lstStyle/>
+          <a:p>
+            <a:fld id="{4E59DC59-ED3D-4108-AF3A-3AFD1215876E}" type="slidenum">
+              <a:rPr lang="en-US" smtClean="0"/>
+              <a:pPr/>
+              <a:t>4</a:t>
+            </a:fld>
+            <a:endParaRPr lang="en-US"/>
+          </a:p>
+        </p:txBody>
+      </p:sp>
+    </p:spTree>
+    <p:extLst>
+      <p:ext uri="{BB962C8B-B14F-4D97-AF65-F5344CB8AC3E}">
+        <p14:creationId xmlns:p14="http://schemas.microsoft.com/office/powerpoint/2010/main" val="457797680"/>
+      </p:ext>
+    </p:extLst>
+  </p:cSld>
+  <p:clrMapOvr>
+    <a:masterClrMapping/>
+  </p:clrMapOvr>
+</p:notes>
+</file>
+
+<file path=ppt/notesSlides/notesSlide5.xml><?xml version="1.0" encoding="utf-8"?>
+<p:notes xmlns:a="http://schemas.openxmlformats.org/drawingml/2006/main" xmlns:r="http://schemas.openxmlformats.org/officeDocument/2006/relationships" xmlns:p="http://schemas.openxmlformats.org/presentationml/2006/main">
+  <p:cSld>
+    <p:spTree>
+      <p:nvGrpSpPr>
+        <p:cNvPr id="1" name=""/>
+        <p:cNvGrpSpPr/>
+        <p:nvPr/>
+      </p:nvGrpSpPr>
+      <p:grpSpPr>
+        <a:xfrm>
+          <a:off x="0" y="0"/>
+          <a:ext cx="0" cy="0"/>
+          <a:chOff x="0" y="0"/>
+          <a:chExt cx="0" cy="0"/>
+        </a:xfrm>
+      </p:grpSpPr>
+      <p:sp>
+        <p:nvSpPr>
+          <p:cNvPr id="49154" name="Rectangle 7"/>
+          <p:cNvSpPr>
+            <a:spLocks noGrp="1" noChangeArrowheads="1"/>
+          </p:cNvSpPr>
+          <p:nvPr>
+            <p:ph type="sldNum" sz="quarter" idx="5"/>
+          </p:nvPr>
+        </p:nvSpPr>
+        <p:spPr>
+          <a:noFill/>
+        </p:spPr>
+        <p:txBody>
+          <a:bodyPr/>
+          <a:lstStyle/>
+          <a:p>
+            <a:fld id="{83CD3F21-FDE7-4F37-BBBF-0DF76E3F12EC}" type="slidenum">
+              <a:rPr lang="en-US">
+                <a:cs typeface="Arial" charset="0"/>
+              </a:rPr>
+              <a:pPr/>
+              <a:t>5</a:t>
+            </a:fld>
+            <a:endParaRPr lang="en-US">
+              <a:cs typeface="Arial" charset="0"/>
+            </a:endParaRPr>
+          </a:p>
+        </p:txBody>
+      </p:sp>
+      <p:sp>
+        <p:nvSpPr>
+          <p:cNvPr id="49155" name="Rectangle 2"/>
+          <p:cNvSpPr>
+            <a:spLocks noGrp="1" noRot="1" noChangeAspect="1" noChangeArrowheads="1" noTextEdit="1"/>
+          </p:cNvSpPr>
+          <p:nvPr>
+            <p:ph type="sldImg"/>
+          </p:nvPr>
+        </p:nvSpPr>
+        <p:spPr>
+          <a:ln/>
+        </p:spPr>
+      </p:sp>
+      <p:sp>
+        <p:nvSpPr>
+          <p:cNvPr id="49156" name="Rectangle 3"/>
+          <p:cNvSpPr>
+            <a:spLocks noGrp="1" noChangeArrowheads="1"/>
+          </p:cNvSpPr>
+          <p:nvPr>
+            <p:ph type="body" idx="1"/>
+          </p:nvPr>
+        </p:nvSpPr>
+        <p:spPr>
+          <a:noFill/>
+          <a:ln/>
+        </p:spPr>
+        <p:txBody>
+          <a:bodyPr/>
+          <a:lstStyle/>
+          <a:p>
+            <a:pPr eaLnBrk="1" hangingPunct="1"/>
+            <a:endParaRPr lang="en-US" smtClean="0"/>
+          </a:p>
+        </p:txBody>
+      </p:sp>
+    </p:spTree>
+  </p:cSld>
+  <p:clrMapOvr>
+    <a:masterClrMapping/>
+  </p:clrMapOvr>
+</p:notes>
+</file>
+
+<file path=ppt/notesSlides/notesSlide6.xml><?xml version="1.0" encoding="utf-8"?>
+<p:notes xmlns:a="http://schemas.openxmlformats.org/drawingml/2006/main" xmlns:r="http://schemas.openxmlformats.org/officeDocument/2006/relationships" xmlns:p="http://schemas.openxmlformats.org/presentationml/2006/main">
+  <p:cSld>
+    <p:spTree>
+      <p:nvGrpSpPr>
+        <p:cNvPr id="1" name=""/>
+        <p:cNvGrpSpPr/>
+        <p:nvPr/>
+      </p:nvGrpSpPr>
+      <p:grpSpPr>
+        <a:xfrm>
+          <a:off x="0" y="0"/>
+          <a:ext cx="0" cy="0"/>
+          <a:chOff x="0" y="0"/>
+          <a:chExt cx="0" cy="0"/>
+        </a:xfrm>
+      </p:grpSpPr>
+      <p:sp>
+        <p:nvSpPr>
+          <p:cNvPr id="2" name="Slide Image Placeholder 1"/>
+          <p:cNvSpPr>
+            <a:spLocks noGrp="1" noRot="1" noChangeAspect="1"/>
+          </p:cNvSpPr>
+          <p:nvPr>
+            <p:ph type="sldImg"/>
+          </p:nvPr>
+        </p:nvSpPr>
+        <p:spPr/>
+      </p:sp>
+      <p:sp>
+        <p:nvSpPr>
+          <p:cNvPr id="3" name="Notes Placeholder 2"/>
+          <p:cNvSpPr>
+            <a:spLocks noGrp="1"/>
+          </p:cNvSpPr>
+          <p:nvPr>
+            <p:ph type="body" idx="1"/>
+          </p:nvPr>
+        </p:nvSpPr>
+        <p:spPr/>
+        <p:txBody>
+          <a:bodyPr/>
+          <a:lstStyle/>
+          <a:p>
+            <a:endParaRPr lang="en-US"/>
+          </a:p>
+        </p:txBody>
+      </p:sp>
+      <p:sp>
+        <p:nvSpPr>
+          <p:cNvPr id="4" name="Slide Number Placeholder 3"/>
+          <p:cNvSpPr>
+            <a:spLocks noGrp="1"/>
+          </p:cNvSpPr>
+          <p:nvPr>
+            <p:ph type="sldNum" sz="quarter" idx="10"/>
+          </p:nvPr>
+        </p:nvSpPr>
+        <p:spPr/>
+        <p:txBody>
+          <a:bodyPr/>
+          <a:lstStyle/>
+          <a:p>
+            <a:fld id="{4E59DC59-ED3D-4108-AF3A-3AFD1215876E}" type="slidenum">
+              <a:rPr lang="en-US" smtClean="0"/>
+              <a:pPr/>
+              <a:t>6</a:t>
+            </a:fld>
+            <a:endParaRPr lang="en-US"/>
+          </a:p>
+        </p:txBody>
+      </p:sp>
+    </p:spTree>
+    <p:extLst>
+      <p:ext uri="{BB962C8B-B14F-4D97-AF65-F5344CB8AC3E}">
+        <p14:creationId xmlns:p14="http://schemas.microsoft.com/office/powerpoint/2010/main" val="2757455119"/>
+      </p:ext>
+    </p:extLst>
+  </p:cSld>
+  <p:clrMapOvr>
+    <a:masterClrMapping/>
+  </p:clrMapOvr>
+</p:notes>
+</file>
+
+<file path=ppt/notesSlides/notesSlide7.xml><?xml version="1.0" encoding="utf-8"?>
+<p:notes xmlns:a="http://schemas.openxmlformats.org/drawingml/2006/main" xmlns:r="http://schemas.openxmlformats.org/officeDocument/2006/relationships" xmlns:p="http://schemas.openxmlformats.org/presentationml/2006/main">
+  <p:cSld>
+    <p:spTree>
+      <p:nvGrpSpPr>
+        <p:cNvPr id="1" name=""/>
+        <p:cNvGrpSpPr/>
+        <p:nvPr/>
+      </p:nvGrpSpPr>
+      <p:grpSpPr>
+        <a:xfrm>
+          <a:off x="0" y="0"/>
+          <a:ext cx="0" cy="0"/>
+          <a:chOff x="0" y="0"/>
+          <a:chExt cx="0" cy="0"/>
+        </a:xfrm>
+      </p:grpSpPr>
+      <p:sp>
+        <p:nvSpPr>
           <p:cNvPr id="54274" name="Rectangle 7"/>
           <p:cNvSpPr>
             <a:spLocks noGrp="1" noChangeArrowheads="1"/>
@@ -1001,6 +1343,176 @@
         </p:txBody>
       </p:sp>
     </p:spTree>
+  </p:cSld>
+  <p:clrMapOvr>
+    <a:masterClrMapping/>
+  </p:clrMapOvr>
+</p:notes>
+</file>
+
+<file path=ppt/notesSlides/notesSlide8.xml><?xml version="1.0" encoding="utf-8"?>
+<p:notes xmlns:a="http://schemas.openxmlformats.org/drawingml/2006/main" xmlns:r="http://schemas.openxmlformats.org/officeDocument/2006/relationships" xmlns:p="http://schemas.openxmlformats.org/presentationml/2006/main">
+  <p:cSld>
+    <p:spTree>
+      <p:nvGrpSpPr>
+        <p:cNvPr id="1" name=""/>
+        <p:cNvGrpSpPr/>
+        <p:nvPr/>
+      </p:nvGrpSpPr>
+      <p:grpSpPr>
+        <a:xfrm>
+          <a:off x="0" y="0"/>
+          <a:ext cx="0" cy="0"/>
+          <a:chOff x="0" y="0"/>
+          <a:chExt cx="0" cy="0"/>
+        </a:xfrm>
+      </p:grpSpPr>
+      <p:sp>
+        <p:nvSpPr>
+          <p:cNvPr id="2" name="Slide Image Placeholder 1"/>
+          <p:cNvSpPr>
+            <a:spLocks noGrp="1" noRot="1" noChangeAspect="1"/>
+          </p:cNvSpPr>
+          <p:nvPr>
+            <p:ph type="sldImg"/>
+          </p:nvPr>
+        </p:nvSpPr>
+        <p:spPr/>
+      </p:sp>
+      <p:sp>
+        <p:nvSpPr>
+          <p:cNvPr id="3" name="Notes Placeholder 2"/>
+          <p:cNvSpPr>
+            <a:spLocks noGrp="1"/>
+          </p:cNvSpPr>
+          <p:nvPr>
+            <p:ph type="body" idx="1"/>
+          </p:nvPr>
+        </p:nvSpPr>
+        <p:spPr/>
+        <p:txBody>
+          <a:bodyPr/>
+          <a:lstStyle/>
+          <a:p>
+            <a:endParaRPr lang="en-US"/>
+          </a:p>
+        </p:txBody>
+      </p:sp>
+      <p:sp>
+        <p:nvSpPr>
+          <p:cNvPr id="4" name="Slide Number Placeholder 3"/>
+          <p:cNvSpPr>
+            <a:spLocks noGrp="1"/>
+          </p:cNvSpPr>
+          <p:nvPr>
+            <p:ph type="sldNum" sz="quarter" idx="10"/>
+          </p:nvPr>
+        </p:nvSpPr>
+        <p:spPr/>
+        <p:txBody>
+          <a:bodyPr/>
+          <a:lstStyle/>
+          <a:p>
+            <a:fld id="{4E59DC59-ED3D-4108-AF3A-3AFD1215876E}" type="slidenum">
+              <a:rPr lang="en-US" smtClean="0"/>
+              <a:pPr/>
+              <a:t>8</a:t>
+            </a:fld>
+            <a:endParaRPr lang="en-US"/>
+          </a:p>
+        </p:txBody>
+      </p:sp>
+    </p:spTree>
+    <p:extLst>
+      <p:ext uri="{BB962C8B-B14F-4D97-AF65-F5344CB8AC3E}">
+        <p14:creationId xmlns:p14="http://schemas.microsoft.com/office/powerpoint/2010/main" val="3752931179"/>
+      </p:ext>
+    </p:extLst>
+  </p:cSld>
+  <p:clrMapOvr>
+    <a:masterClrMapping/>
+  </p:clrMapOvr>
+</p:notes>
+</file>
+
+<file path=ppt/notesSlides/notesSlide9.xml><?xml version="1.0" encoding="utf-8"?>
+<p:notes xmlns:a="http://schemas.openxmlformats.org/drawingml/2006/main" xmlns:r="http://schemas.openxmlformats.org/officeDocument/2006/relationships" xmlns:p="http://schemas.openxmlformats.org/presentationml/2006/main">
+  <p:cSld>
+    <p:spTree>
+      <p:nvGrpSpPr>
+        <p:cNvPr id="1" name=""/>
+        <p:cNvGrpSpPr/>
+        <p:nvPr/>
+      </p:nvGrpSpPr>
+      <p:grpSpPr>
+        <a:xfrm>
+          <a:off x="0" y="0"/>
+          <a:ext cx="0" cy="0"/>
+          <a:chOff x="0" y="0"/>
+          <a:chExt cx="0" cy="0"/>
+        </a:xfrm>
+      </p:grpSpPr>
+      <p:sp>
+        <p:nvSpPr>
+          <p:cNvPr id="2" name="Slide Image Placeholder 1"/>
+          <p:cNvSpPr>
+            <a:spLocks noGrp="1" noRot="1" noChangeAspect="1"/>
+          </p:cNvSpPr>
+          <p:nvPr>
+            <p:ph type="sldImg"/>
+          </p:nvPr>
+        </p:nvSpPr>
+        <p:spPr/>
+      </p:sp>
+      <p:sp>
+        <p:nvSpPr>
+          <p:cNvPr id="3" name="Notes Placeholder 2"/>
+          <p:cNvSpPr>
+            <a:spLocks noGrp="1"/>
+          </p:cNvSpPr>
+          <p:nvPr>
+            <p:ph type="body" idx="1"/>
+          </p:nvPr>
+        </p:nvSpPr>
+        <p:spPr/>
+        <p:txBody>
+          <a:bodyPr/>
+          <a:lstStyle/>
+          <a:p>
+            <a:endParaRPr lang="en-US"/>
+          </a:p>
+        </p:txBody>
+      </p:sp>
+      <p:sp>
+        <p:nvSpPr>
+          <p:cNvPr id="4" name="Slide Number Placeholder 3"/>
+          <p:cNvSpPr>
+            <a:spLocks noGrp="1"/>
+          </p:cNvSpPr>
+          <p:nvPr>
+            <p:ph type="sldNum" sz="quarter" idx="10"/>
+          </p:nvPr>
+        </p:nvSpPr>
+        <p:spPr/>
+        <p:txBody>
+          <a:bodyPr/>
+          <a:lstStyle/>
+          <a:p>
+            <a:fld id="{4E59DC59-ED3D-4108-AF3A-3AFD1215876E}" type="slidenum">
+              <a:rPr lang="en-US" smtClean="0"/>
+              <a:pPr/>
+              <a:t>9</a:t>
+            </a:fld>
+            <a:endParaRPr lang="en-US"/>
+          </a:p>
+        </p:txBody>
+      </p:sp>
+    </p:spTree>
+    <p:extLst>
+      <p:ext uri="{BB962C8B-B14F-4D97-AF65-F5344CB8AC3E}">
+        <p14:creationId xmlns:p14="http://schemas.microsoft.com/office/powerpoint/2010/main" val="3936840555"/>
+      </p:ext>
+    </p:extLst>
   </p:cSld>
   <p:clrMapOvr>
     <a:masterClrMapping/>
@@ -2280,6 +2792,142 @@
 </p:sld>
 </file>
 
+<file path=ppt/slides/slide10.xml><?xml version="1.0" encoding="utf-8"?>
+<p:sld xmlns:a="http://schemas.openxmlformats.org/drawingml/2006/main" xmlns:r="http://schemas.openxmlformats.org/officeDocument/2006/relationships" xmlns:p="http://schemas.openxmlformats.org/presentationml/2006/main">
+  <p:cSld>
+    <p:spTree>
+      <p:nvGrpSpPr>
+        <p:cNvPr id="1" name=""/>
+        <p:cNvGrpSpPr/>
+        <p:nvPr/>
+      </p:nvGrpSpPr>
+      <p:grpSpPr>
+        <a:xfrm>
+          <a:off x="0" y="0"/>
+          <a:ext cx="0" cy="0"/>
+          <a:chOff x="0" y="0"/>
+          <a:chExt cx="0" cy="0"/>
+        </a:xfrm>
+      </p:grpSpPr>
+      <p:sp>
+        <p:nvSpPr>
+          <p:cNvPr id="2" name="Title 1"/>
+          <p:cNvSpPr>
+            <a:spLocks noGrp="1"/>
+          </p:cNvSpPr>
+          <p:nvPr>
+            <p:ph type="title"/>
+          </p:nvPr>
+        </p:nvSpPr>
+        <p:spPr/>
+        <p:txBody>
+          <a:bodyPr/>
+          <a:lstStyle/>
+          <a:p>
+            <a:r>
+              <a:rPr lang="en-US" dirty="0" smtClean="0"/>
+              <a:t>Why WOP first?</a:t>
+            </a:r>
+            <a:endParaRPr lang="en-US" dirty="0"/>
+          </a:p>
+        </p:txBody>
+      </p:sp>
+      <p:sp>
+        <p:nvSpPr>
+          <p:cNvPr id="3" name="TextBox 2"/>
+          <p:cNvSpPr txBox="1"/>
+          <p:nvPr/>
+        </p:nvSpPr>
+        <p:spPr>
+          <a:xfrm>
+            <a:off x="381000" y="1371600"/>
+            <a:ext cx="8070213" cy="4832092"/>
+          </a:xfrm>
+          <a:prstGeom prst="rect">
+            <a:avLst/>
+          </a:prstGeom>
+          <a:noFill/>
+        </p:spPr>
+        <p:txBody>
+          <a:bodyPr wrap="none" rtlCol="0">
+            <a:spAutoFit/>
+          </a:bodyPr>
+          <a:lstStyle/>
+          <a:p>
+            <a:r>
+              <a:rPr lang="en-US" sz="4400" dirty="0" smtClean="0">
+                <a:latin typeface="Comic Sans MS" pitchFamily="66" charset="0"/>
+              </a:rPr>
+              <a:t>No one has problems believing</a:t>
+            </a:r>
+          </a:p>
+          <a:p>
+            <a:r>
+              <a:rPr lang="en-US" sz="4400" dirty="0" smtClean="0">
+                <a:latin typeface="Comic Sans MS" pitchFamily="66" charset="0"/>
+              </a:rPr>
+              <a:t>the WOP, and they have no </a:t>
+            </a:r>
+          </a:p>
+          <a:p>
+            <a:r>
+              <a:rPr lang="en-US" sz="4400" dirty="0" smtClean="0">
+                <a:latin typeface="Comic Sans MS" pitchFamily="66" charset="0"/>
+              </a:rPr>
+              <a:t>harder time using WOP than</a:t>
+            </a:r>
+          </a:p>
+          <a:p>
+            <a:r>
+              <a:rPr lang="en-US" sz="4400" dirty="0" smtClean="0">
+                <a:latin typeface="Comic Sans MS" pitchFamily="66" charset="0"/>
+              </a:rPr>
+              <a:t>Induction.  So to get going on</a:t>
+            </a:r>
+          </a:p>
+          <a:p>
+            <a:r>
+              <a:rPr lang="en-US" sz="4400" dirty="0" smtClean="0">
+                <a:latin typeface="Comic Sans MS" pitchFamily="66" charset="0"/>
+              </a:rPr>
+              <a:t>interesting proofs right away,</a:t>
+            </a:r>
+          </a:p>
+          <a:p>
+            <a:r>
+              <a:rPr lang="en-US" sz="4400" dirty="0" smtClean="0">
+                <a:latin typeface="Comic Sans MS" pitchFamily="66" charset="0"/>
+              </a:rPr>
+              <a:t>we start with WOP.</a:t>
+            </a:r>
+          </a:p>
+          <a:p>
+            <a:endParaRPr lang="en-US" sz="4400" dirty="0" smtClean="0">
+              <a:latin typeface="Comic Sans MS" pitchFamily="66" charset="0"/>
+            </a:endParaRPr>
+          </a:p>
+        </p:txBody>
+      </p:sp>
+    </p:spTree>
+    <p:extLst>
+      <p:ext uri="{BB962C8B-B14F-4D97-AF65-F5344CB8AC3E}">
+        <p14:creationId xmlns:p14="http://schemas.microsoft.com/office/powerpoint/2010/main" val="1806304425"/>
+      </p:ext>
+    </p:extLst>
+  </p:cSld>
+  <p:clrMapOvr>
+    <a:masterClrMapping/>
+  </p:clrMapOvr>
+  <p:timing>
+    <p:tnLst>
+      <p:par>
+        <p:cTn xmlns:p14="http://schemas.microsoft.com/office/powerpoint/2010/main" id="1" dur="indefinite" restart="never" nodeType="tmRoot"/>
+      </p:par>
+    </p:tnLst>
+  </p:timing>
+</p:sld>
+</file>
+
 <file path=ppt/slides/slide2.xml><?xml version="1.0" encoding="utf-8"?>
 <p:sld xmlns:a="http://schemas.openxmlformats.org/drawingml/2006/main" xmlns:r="http://schemas.openxmlformats.org/officeDocument/2006/relationships" xmlns:p="http://schemas.openxmlformats.org/presentationml/2006/main">
   <p:cSld>
@@ -3348,12 +3996,12 @@
           <a:graphicData uri="http://schemas.openxmlformats.org/presentationml/2006/ole">
             <mc:AlternateContent xmlns:mc="http://schemas.openxmlformats.org/markup-compatibility/2006">
               <mc:Choice xmlns:v="urn:schemas-microsoft-com:vml" Requires="v">
-                <p:oleObj spid="_x0000_s417817" name="Equation" r:id="rId3" imgW="622300" imgH="228600" progId="Equation.DSMT4">
+                <p:oleObj spid="_x0000_s417827" name="Equation" r:id="rId4" imgW="622300" imgH="228600" progId="Equation.DSMT4">
                   <p:embed/>
                 </p:oleObj>
               </mc:Choice>
               <mc:Fallback>
-                <p:oleObj name="Equation" r:id="rId3" imgW="622300" imgH="228600" progId="Equation.DSMT4">
+                <p:oleObj name="Equation" r:id="rId4" imgW="622300" imgH="228600" progId="Equation.DSMT4">
                   <p:embed/>
                   <p:pic>
                     <p:nvPicPr>
@@ -3362,7 +4010,7 @@
                       <p:nvPr/>
                     </p:nvPicPr>
                     <p:blipFill>
-                      <a:blip r:embed="rId4"/>
+                      <a:blip r:embed="rId5"/>
                       <a:stretch>
                         <a:fillRect/>
                       </a:stretch>
@@ -3435,12 +4083,12 @@
           <a:graphicData uri="http://schemas.openxmlformats.org/presentationml/2006/ole">
             <mc:AlternateContent xmlns:mc="http://schemas.openxmlformats.org/markup-compatibility/2006">
               <mc:Choice xmlns:v="urn:schemas-microsoft-com:vml" Requires="v">
-                <p:oleObj spid="_x0000_s417818" name="Equation" r:id="rId5" imgW="800100" imgH="228600" progId="Equation.DSMT4">
+                <p:oleObj spid="_x0000_s417828" name="Equation" r:id="rId6" imgW="800100" imgH="228600" progId="Equation.DSMT4">
                   <p:embed/>
                 </p:oleObj>
               </mc:Choice>
               <mc:Fallback>
-                <p:oleObj name="Equation" r:id="rId5" imgW="800100" imgH="228600" progId="Equation.DSMT4">
+                <p:oleObj name="Equation" r:id="rId6" imgW="800100" imgH="228600" progId="Equation.DSMT4">
                   <p:embed/>
                   <p:pic>
                     <p:nvPicPr>
@@ -3449,7 +4097,7 @@
                       <p:nvPr/>
                     </p:nvPicPr>
                     <p:blipFill>
-                      <a:blip r:embed="rId6"/>
+                      <a:blip r:embed="rId7"/>
                       <a:stretch>
                         <a:fillRect/>
                       </a:stretch>
@@ -4032,7 +4680,7 @@
           <a:graphicData uri="http://schemas.openxmlformats.org/presentationml/2006/ole">
             <mc:AlternateContent xmlns:mc="http://schemas.openxmlformats.org/markup-compatibility/2006">
               <mc:Choice xmlns:v="urn:schemas-microsoft-com:vml" Requires="v">
-                <p:oleObj spid="_x0000_s1039" name="Equation" r:id="rId4" imgW="1409700" imgH="228600" progId="Equation.DSMT4">
+                <p:oleObj spid="_x0000_s1045" name="Equation" r:id="rId4" imgW="1409700" imgH="228600" progId="Equation.DSMT4">
                   <p:embed/>
                 </p:oleObj>
               </mc:Choice>
@@ -4574,7 +5222,7 @@
           <a:graphicData uri="http://schemas.openxmlformats.org/presentationml/2006/ole">
             <mc:AlternateContent xmlns:mc="http://schemas.openxmlformats.org/markup-compatibility/2006">
               <mc:Choice xmlns:v="urn:schemas-microsoft-com:vml" Requires="v">
-                <p:oleObj spid="_x0000_s418827" name="Equation" r:id="rId4" imgW="508000" imgH="190500" progId="Equation.DSMT4">
+                <p:oleObj spid="_x0000_s418833" name="Equation" r:id="rId4" imgW="508000" imgH="190500" progId="Equation.DSMT4">
                   <p:embed/>
                 </p:oleObj>
               </mc:Choice>
@@ -5295,6 +5943,178 @@
       <p:bldP spid="5" grpId="0"/>
       <p:bldP spid="6" grpId="0"/>
     </p:bldLst>
+  </p:timing>
+</p:sld>
+</file>
+
+<file path=ppt/slides/slide9.xml><?xml version="1.0" encoding="utf-8"?>
+<p:sld xmlns:a="http://schemas.openxmlformats.org/drawingml/2006/main" xmlns:r="http://schemas.openxmlformats.org/officeDocument/2006/relationships" xmlns:p="http://schemas.openxmlformats.org/presentationml/2006/main">
+  <p:cSld>
+    <p:spTree>
+      <p:nvGrpSpPr>
+        <p:cNvPr id="1" name=""/>
+        <p:cNvGrpSpPr/>
+        <p:nvPr/>
+      </p:nvGrpSpPr>
+      <p:grpSpPr>
+        <a:xfrm>
+          <a:off x="0" y="0"/>
+          <a:ext cx="0" cy="0"/>
+          <a:chOff x="0" y="0"/>
+          <a:chExt cx="0" cy="0"/>
+        </a:xfrm>
+      </p:grpSpPr>
+      <p:sp>
+        <p:nvSpPr>
+          <p:cNvPr id="2" name="Title 1"/>
+          <p:cNvSpPr>
+            <a:spLocks noGrp="1"/>
+          </p:cNvSpPr>
+          <p:nvPr>
+            <p:ph type="title"/>
+          </p:nvPr>
+        </p:nvSpPr>
+        <p:spPr/>
+        <p:txBody>
+          <a:bodyPr/>
+          <a:lstStyle/>
+          <a:p>
+            <a:r>
+              <a:rPr lang="en-US" dirty="0" smtClean="0"/>
+              <a:t>Why WOP first?</a:t>
+            </a:r>
+            <a:endParaRPr lang="en-US" dirty="0"/>
+          </a:p>
+        </p:txBody>
+      </p:sp>
+      <p:sp>
+        <p:nvSpPr>
+          <p:cNvPr id="3" name="TextBox 2"/>
+          <p:cNvSpPr txBox="1"/>
+          <p:nvPr/>
+        </p:nvSpPr>
+        <p:spPr>
+          <a:xfrm>
+            <a:off x="381000" y="1371600"/>
+            <a:ext cx="8277401" cy="4832092"/>
+          </a:xfrm>
+          <a:prstGeom prst="rect">
+            <a:avLst/>
+          </a:prstGeom>
+          <a:noFill/>
+        </p:spPr>
+        <p:txBody>
+          <a:bodyPr wrap="none" rtlCol="0">
+            <a:spAutoFit/>
+          </a:bodyPr>
+          <a:lstStyle/>
+          <a:p>
+            <a:r>
+              <a:rPr lang="en-US" sz="4400" dirty="0" smtClean="0">
+                <a:latin typeface="Comic Sans MS" pitchFamily="66" charset="0"/>
+              </a:rPr>
+              <a:t>Exam performance &amp; surveys</a:t>
+            </a:r>
+          </a:p>
+          <a:p>
+            <a:r>
+              <a:rPr lang="en-US" sz="4400" dirty="0" smtClean="0">
+                <a:latin typeface="Comic Sans MS" pitchFamily="66" charset="0"/>
+              </a:rPr>
+              <a:t>show about 20% of students</a:t>
+            </a:r>
+          </a:p>
+          <a:p>
+            <a:r>
+              <a:rPr lang="en-US" sz="4400" dirty="0" smtClean="0">
+                <a:latin typeface="Comic Sans MS" pitchFamily="66" charset="0"/>
+              </a:rPr>
+              <a:t>don’t “get” induction.  They</a:t>
+            </a:r>
+          </a:p>
+          <a:p>
+            <a:r>
+              <a:rPr lang="en-US" sz="4400" dirty="0" smtClean="0">
+                <a:latin typeface="Comic Sans MS" pitchFamily="66" charset="0"/>
+              </a:rPr>
+              <a:t>worry that assuming </a:t>
+            </a:r>
+            <a:r>
+              <a:rPr lang="en-US" sz="4400" dirty="0" smtClean="0">
+                <a:solidFill>
+                  <a:srgbClr val="0000FF"/>
+                </a:solidFill>
+                <a:latin typeface="Comic Sans MS" pitchFamily="66" charset="0"/>
+              </a:rPr>
+              <a:t>P(</a:t>
+            </a:r>
+            <a:r>
+              <a:rPr lang="en-US" sz="4400" dirty="0" smtClean="0">
+                <a:solidFill>
+                  <a:srgbClr val="029C27"/>
+                </a:solidFill>
+                <a:latin typeface="Comic Sans MS" pitchFamily="66" charset="0"/>
+              </a:rPr>
+              <a:t>n</a:t>
+            </a:r>
+            <a:r>
+              <a:rPr lang="en-US" sz="4400" dirty="0" smtClean="0">
+                <a:solidFill>
+                  <a:srgbClr val="0000FF"/>
+                </a:solidFill>
+                <a:latin typeface="Comic Sans MS" pitchFamily="66" charset="0"/>
+              </a:rPr>
+              <a:t>)</a:t>
+            </a:r>
+            <a:r>
+              <a:rPr lang="en-US" sz="4400" dirty="0" smtClean="0">
+                <a:latin typeface="Comic Sans MS" pitchFamily="66" charset="0"/>
+              </a:rPr>
+              <a:t> is </a:t>
+            </a:r>
+          </a:p>
+          <a:p>
+            <a:r>
+              <a:rPr lang="en-US" sz="4400" dirty="0" smtClean="0">
+                <a:latin typeface="Comic Sans MS" pitchFamily="66" charset="0"/>
+              </a:rPr>
+              <a:t>circular and/or they can’t do</a:t>
+            </a:r>
+          </a:p>
+          <a:p>
+            <a:r>
+              <a:rPr lang="en-US" sz="4400" dirty="0" smtClean="0">
+                <a:latin typeface="Comic Sans MS" pitchFamily="66" charset="0"/>
+              </a:rPr>
+              <a:t>induction proofs.  This</a:t>
+            </a:r>
+          </a:p>
+          <a:p>
+            <a:r>
+              <a:rPr lang="en-US" sz="4400" dirty="0" smtClean="0">
+                <a:latin typeface="Comic Sans MS" pitchFamily="66" charset="0"/>
+              </a:rPr>
+              <a:t>baffles us and the other 80%.</a:t>
+            </a:r>
+          </a:p>
+        </p:txBody>
+      </p:sp>
+    </p:spTree>
+    <p:extLst>
+      <p:ext uri="{BB962C8B-B14F-4D97-AF65-F5344CB8AC3E}">
+        <p14:creationId xmlns:p14="http://schemas.microsoft.com/office/powerpoint/2010/main" val="2635883474"/>
+      </p:ext>
+    </p:extLst>
+  </p:cSld>
+  <p:clrMapOvr>
+    <a:masterClrMapping/>
+  </p:clrMapOvr>
+  <p:timing>
+    <p:tnLst>
+      <p:par>
+        <p:cTn xmlns:p14="http://schemas.microsoft.com/office/powerpoint/2010/main" id="1" dur="indefinite" restart="never" nodeType="tmRoot"/>
+      </p:par>
+    </p:tnLst>
   </p:timing>
 </p:sld>
 </file>
